--- a/Некрасов_АВ_Школа DA_защита_проекта.pptx
+++ b/Некрасов_АВ_Школа DA_защита_проекта.pptx
@@ -19,6 +19,8 @@
     <p:sldId id="301" r:id="rId13"/>
     <p:sldId id="302" r:id="rId14"/>
     <p:sldId id="303" r:id="rId15"/>
+    <p:sldId id="304" r:id="rId16"/>
+    <p:sldId id="305" r:id="rId17"/>
   </p:sldIdLst>
   <p:sldSz cx="12192000" cy="6858000"/>
   <p:notesSz cx="6858000" cy="9144000"/>
@@ -123,6 +125,279 @@
     </p:ext>
   </p:extLst>
 </p:presentation>
+</file>
+
+<file path=ppt/revisionInfo.xml><?xml version="1.0" encoding="utf-8"?>
+<p1510:revInfo xmlns:a="http://schemas.openxmlformats.org/drawingml/2006/main" xmlns:r="http://schemas.openxmlformats.org/officeDocument/2006/relationships" xmlns:p1510="http://schemas.microsoft.com/office/powerpoint/2015/10/main">
+  <p1510:revLst>
+    <p1510:client id="{3F0F928F-7B6F-1D4F-99AC-0E289972A23D}" v="19" dt="2023-06-04T22:01:06.183"/>
+  </p1510:revLst>
+</p1510:revInfo>
+</file>
+
+<file path=ppt/changesInfos/changesInfo1.xml><?xml version="1.0" encoding="utf-8"?>
+<pc:chgInfo xmlns:a="http://schemas.openxmlformats.org/drawingml/2006/main" xmlns:r="http://schemas.openxmlformats.org/officeDocument/2006/relationships" xmlns:ac="http://schemas.microsoft.com/office/drawing/2013/main/command" xmlns:pc="http://schemas.microsoft.com/office/powerpoint/2013/main/command">
+  <pc:docChgLst>
+    <pc:chgData name="Андрей Некрасов" userId="b42324093f890a18" providerId="LiveId" clId="{3F0F928F-7B6F-1D4F-99AC-0E289972A23D}"/>
+    <pc:docChg chg="undo custSel addSld modSld">
+      <pc:chgData name="Андрей Некрасов" userId="b42324093f890a18" providerId="LiveId" clId="{3F0F928F-7B6F-1D4F-99AC-0E289972A23D}" dt="2023-06-04T22:01:38.089" v="529" actId="1076"/>
+      <pc:docMkLst>
+        <pc:docMk/>
+      </pc:docMkLst>
+      <pc:sldChg chg="delSp modSp mod">
+        <pc:chgData name="Андрей Некрасов" userId="b42324093f890a18" providerId="LiveId" clId="{3F0F928F-7B6F-1D4F-99AC-0E289972A23D}" dt="2023-06-04T20:46:58.110" v="40" actId="21"/>
+        <pc:sldMkLst>
+          <pc:docMk/>
+          <pc:sldMk cId="3047645832" sldId="301"/>
+        </pc:sldMkLst>
+        <pc:spChg chg="mod">
+          <ac:chgData name="Андрей Некрасов" userId="b42324093f890a18" providerId="LiveId" clId="{3F0F928F-7B6F-1D4F-99AC-0E289972A23D}" dt="2023-06-04T20:46:58.110" v="40" actId="21"/>
+          <ac:spMkLst>
+            <pc:docMk/>
+            <pc:sldMk cId="3047645832" sldId="301"/>
+            <ac:spMk id="4" creationId="{BE3829DA-390E-46E2-8E16-B1C69E159BEE}"/>
+          </ac:spMkLst>
+        </pc:spChg>
+        <pc:spChg chg="del">
+          <ac:chgData name="Андрей Некрасов" userId="b42324093f890a18" providerId="LiveId" clId="{3F0F928F-7B6F-1D4F-99AC-0E289972A23D}" dt="2023-06-04T20:45:33.888" v="4" actId="21"/>
+          <ac:spMkLst>
+            <pc:docMk/>
+            <pc:sldMk cId="3047645832" sldId="301"/>
+            <ac:spMk id="10" creationId="{6045C0A6-62AB-91E3-B86F-C6E80E92534B}"/>
+          </ac:spMkLst>
+        </pc:spChg>
+      </pc:sldChg>
+      <pc:sldChg chg="delSp modSp mod">
+        <pc:chgData name="Андрей Некрасов" userId="b42324093f890a18" providerId="LiveId" clId="{3F0F928F-7B6F-1D4F-99AC-0E289972A23D}" dt="2023-06-04T20:47:52.252" v="59" actId="20577"/>
+        <pc:sldMkLst>
+          <pc:docMk/>
+          <pc:sldMk cId="3316271644" sldId="302"/>
+        </pc:sldMkLst>
+        <pc:spChg chg="mod">
+          <ac:chgData name="Андрей Некрасов" userId="b42324093f890a18" providerId="LiveId" clId="{3F0F928F-7B6F-1D4F-99AC-0E289972A23D}" dt="2023-06-04T20:47:52.252" v="59" actId="20577"/>
+          <ac:spMkLst>
+            <pc:docMk/>
+            <pc:sldMk cId="3316271644" sldId="302"/>
+            <ac:spMk id="4" creationId="{BE3829DA-390E-46E2-8E16-B1C69E159BEE}"/>
+          </ac:spMkLst>
+        </pc:spChg>
+        <pc:spChg chg="del">
+          <ac:chgData name="Андрей Некрасов" userId="b42324093f890a18" providerId="LiveId" clId="{3F0F928F-7B6F-1D4F-99AC-0E289972A23D}" dt="2023-06-04T20:45:38.322" v="5" actId="21"/>
+          <ac:spMkLst>
+            <pc:docMk/>
+            <pc:sldMk cId="3316271644" sldId="302"/>
+            <ac:spMk id="10" creationId="{6045C0A6-62AB-91E3-B86F-C6E80E92534B}"/>
+          </ac:spMkLst>
+        </pc:spChg>
+      </pc:sldChg>
+      <pc:sldChg chg="addSp delSp modSp mod">
+        <pc:chgData name="Андрей Некрасов" userId="b42324093f890a18" providerId="LiveId" clId="{3F0F928F-7B6F-1D4F-99AC-0E289972A23D}" dt="2023-06-04T20:49:15.111" v="78" actId="478"/>
+        <pc:sldMkLst>
+          <pc:docMk/>
+          <pc:sldMk cId="3835008672" sldId="303"/>
+        </pc:sldMkLst>
+        <pc:spChg chg="add mod">
+          <ac:chgData name="Андрей Некрасов" userId="b42324093f890a18" providerId="LiveId" clId="{3F0F928F-7B6F-1D4F-99AC-0E289972A23D}" dt="2023-06-04T20:46:28.944" v="38"/>
+          <ac:spMkLst>
+            <pc:docMk/>
+            <pc:sldMk cId="3835008672" sldId="303"/>
+            <ac:spMk id="2" creationId="{BEDDE141-4E38-6C38-380B-8226ABAAFB8A}"/>
+          </ac:spMkLst>
+        </pc:spChg>
+        <pc:spChg chg="mod">
+          <ac:chgData name="Андрей Некрасов" userId="b42324093f890a18" providerId="LiveId" clId="{3F0F928F-7B6F-1D4F-99AC-0E289972A23D}" dt="2023-06-04T20:47:57.202" v="61" actId="20577"/>
+          <ac:spMkLst>
+            <pc:docMk/>
+            <pc:sldMk cId="3835008672" sldId="303"/>
+            <ac:spMk id="4" creationId="{BE3829DA-390E-46E2-8E16-B1C69E159BEE}"/>
+          </ac:spMkLst>
+        </pc:spChg>
+        <pc:spChg chg="del">
+          <ac:chgData name="Андрей Некрасов" userId="b42324093f890a18" providerId="LiveId" clId="{3F0F928F-7B6F-1D4F-99AC-0E289972A23D}" dt="2023-06-04T20:45:42.584" v="6" actId="21"/>
+          <ac:spMkLst>
+            <pc:docMk/>
+            <pc:sldMk cId="3835008672" sldId="303"/>
+            <ac:spMk id="10" creationId="{6045C0A6-62AB-91E3-B86F-C6E80E92534B}"/>
+          </ac:spMkLst>
+        </pc:spChg>
+        <pc:picChg chg="add del">
+          <ac:chgData name="Андрей Некрасов" userId="b42324093f890a18" providerId="LiveId" clId="{3F0F928F-7B6F-1D4F-99AC-0E289972A23D}" dt="2023-06-04T20:49:15.111" v="78" actId="478"/>
+          <ac:picMkLst>
+            <pc:docMk/>
+            <pc:sldMk cId="3835008672" sldId="303"/>
+            <ac:picMk id="18434" creationId="{63080495-9E32-07BA-E2C0-DDC3C45C0D1E}"/>
+          </ac:picMkLst>
+        </pc:picChg>
+      </pc:sldChg>
+      <pc:sldChg chg="addSp delSp modSp add mod">
+        <pc:chgData name="Андрей Некрасов" userId="b42324093f890a18" providerId="LiveId" clId="{3F0F928F-7B6F-1D4F-99AC-0E289972A23D}" dt="2023-06-04T22:01:06.183" v="524" actId="18331"/>
+        <pc:sldMkLst>
+          <pc:docMk/>
+          <pc:sldMk cId="3934684199" sldId="304"/>
+        </pc:sldMkLst>
+        <pc:spChg chg="del mod">
+          <ac:chgData name="Андрей Некрасов" userId="b42324093f890a18" providerId="LiveId" clId="{3F0F928F-7B6F-1D4F-99AC-0E289972A23D}" dt="2023-06-04T20:48:33.077" v="76" actId="478"/>
+          <ac:spMkLst>
+            <pc:docMk/>
+            <pc:sldMk cId="3934684199" sldId="304"/>
+            <ac:spMk id="2" creationId="{BEDDE141-4E38-6C38-380B-8226ABAAFB8A}"/>
+          </ac:spMkLst>
+        </pc:spChg>
+        <pc:spChg chg="mod">
+          <ac:chgData name="Андрей Некрасов" userId="b42324093f890a18" providerId="LiveId" clId="{3F0F928F-7B6F-1D4F-99AC-0E289972A23D}" dt="2023-06-04T20:49:18.871" v="80" actId="20577"/>
+          <ac:spMkLst>
+            <pc:docMk/>
+            <pc:sldMk cId="3934684199" sldId="304"/>
+            <ac:spMk id="4" creationId="{BE3829DA-390E-46E2-8E16-B1C69E159BEE}"/>
+          </ac:spMkLst>
+        </pc:spChg>
+        <pc:spChg chg="mod">
+          <ac:chgData name="Андрей Некрасов" userId="b42324093f890a18" providerId="LiveId" clId="{3F0F928F-7B6F-1D4F-99AC-0E289972A23D}" dt="2023-06-04T20:54:50.666" v="385" actId="313"/>
+          <ac:spMkLst>
+            <pc:docMk/>
+            <pc:sldMk cId="3934684199" sldId="304"/>
+            <ac:spMk id="6" creationId="{55C78972-4174-2692-43D0-925077F9ECF6}"/>
+          </ac:spMkLst>
+        </pc:spChg>
+        <pc:picChg chg="add del mod">
+          <ac:chgData name="Андрей Некрасов" userId="b42324093f890a18" providerId="LiveId" clId="{3F0F928F-7B6F-1D4F-99AC-0E289972A23D}" dt="2023-06-04T20:49:50.485" v="90" actId="21"/>
+          <ac:picMkLst>
+            <pc:docMk/>
+            <pc:sldMk cId="3934684199" sldId="304"/>
+            <ac:picMk id="7" creationId="{D5091B99-C6BE-CA00-D05A-63C128A3C931}"/>
+          </ac:picMkLst>
+        </pc:picChg>
+        <pc:picChg chg="add del mod">
+          <ac:chgData name="Андрей Некрасов" userId="b42324093f890a18" providerId="LiveId" clId="{3F0F928F-7B6F-1D4F-99AC-0E289972A23D}" dt="2023-06-04T20:49:50.485" v="90" actId="21"/>
+          <ac:picMkLst>
+            <pc:docMk/>
+            <pc:sldMk cId="3934684199" sldId="304"/>
+            <ac:picMk id="9" creationId="{F6C13C19-4DB3-8967-F27A-108359CB69B1}"/>
+          </ac:picMkLst>
+        </pc:picChg>
+        <pc:picChg chg="add del mod">
+          <ac:chgData name="Андрей Некрасов" userId="b42324093f890a18" providerId="LiveId" clId="{3F0F928F-7B6F-1D4F-99AC-0E289972A23D}" dt="2023-06-04T20:50:05.308" v="93"/>
+          <ac:picMkLst>
+            <pc:docMk/>
+            <pc:sldMk cId="3934684199" sldId="304"/>
+            <ac:picMk id="10" creationId="{3201A24D-13E7-1A91-6D94-2E7B9BCA1996}"/>
+          </ac:picMkLst>
+        </pc:picChg>
+        <pc:picChg chg="add del mod">
+          <ac:chgData name="Андрей Некрасов" userId="b42324093f890a18" providerId="LiveId" clId="{3F0F928F-7B6F-1D4F-99AC-0E289972A23D}" dt="2023-06-04T20:50:05.308" v="93"/>
+          <ac:picMkLst>
+            <pc:docMk/>
+            <pc:sldMk cId="3934684199" sldId="304"/>
+            <ac:picMk id="11" creationId="{C5241064-6957-3816-DA0C-5041E227C60F}"/>
+          </ac:picMkLst>
+        </pc:picChg>
+        <pc:picChg chg="add mod">
+          <ac:chgData name="Андрей Некрасов" userId="b42324093f890a18" providerId="LiveId" clId="{3F0F928F-7B6F-1D4F-99AC-0E289972A23D}" dt="2023-06-04T20:55:15.102" v="407" actId="1440"/>
+          <ac:picMkLst>
+            <pc:docMk/>
+            <pc:sldMk cId="3934684199" sldId="304"/>
+            <ac:picMk id="13" creationId="{57684DA1-9DCA-638E-1760-CF64492439BE}"/>
+          </ac:picMkLst>
+        </pc:picChg>
+        <pc:picChg chg="add del mod">
+          <ac:chgData name="Андрей Некрасов" userId="b42324093f890a18" providerId="LiveId" clId="{3F0F928F-7B6F-1D4F-99AC-0E289972A23D}" dt="2023-06-04T22:00:28.266" v="517" actId="478"/>
+          <ac:picMkLst>
+            <pc:docMk/>
+            <pc:sldMk cId="3934684199" sldId="304"/>
+            <ac:picMk id="15" creationId="{62834255-7040-6B3A-9F2D-B0AAD8901676}"/>
+          </ac:picMkLst>
+        </pc:picChg>
+        <pc:picChg chg="add del mod">
+          <ac:chgData name="Андрей Некрасов" userId="b42324093f890a18" providerId="LiveId" clId="{3F0F928F-7B6F-1D4F-99AC-0E289972A23D}" dt="2023-06-04T20:51:37.676" v="118" actId="21"/>
+          <ac:picMkLst>
+            <pc:docMk/>
+            <pc:sldMk cId="3934684199" sldId="304"/>
+            <ac:picMk id="17" creationId="{669D73CA-1C88-88C9-19D7-87E2077B7345}"/>
+          </ac:picMkLst>
+        </pc:picChg>
+        <pc:picChg chg="add mod">
+          <ac:chgData name="Андрей Некрасов" userId="b42324093f890a18" providerId="LiveId" clId="{3F0F928F-7B6F-1D4F-99AC-0E289972A23D}" dt="2023-06-04T22:00:52.889" v="523" actId="14100"/>
+          <ac:picMkLst>
+            <pc:docMk/>
+            <pc:sldMk cId="3934684199" sldId="304"/>
+            <ac:picMk id="19" creationId="{B437FB2B-F3BD-9611-B1D5-98E1D6AC426E}"/>
+          </ac:picMkLst>
+        </pc:picChg>
+        <pc:picChg chg="mod">
+          <ac:chgData name="Андрей Некрасов" userId="b42324093f890a18" providerId="LiveId" clId="{3F0F928F-7B6F-1D4F-99AC-0E289972A23D}" dt="2023-06-04T22:01:06.183" v="524" actId="18331"/>
+          <ac:picMkLst>
+            <pc:docMk/>
+            <pc:sldMk cId="3934684199" sldId="304"/>
+            <ac:picMk id="16386" creationId="{80EEF08C-E818-E4E9-02B5-749D307DDFD1}"/>
+          </ac:picMkLst>
+        </pc:picChg>
+        <pc:picChg chg="del">
+          <ac:chgData name="Андрей Некрасов" userId="b42324093f890a18" providerId="LiveId" clId="{3F0F928F-7B6F-1D4F-99AC-0E289972A23D}" dt="2023-06-04T20:49:20.596" v="81" actId="478"/>
+          <ac:picMkLst>
+            <pc:docMk/>
+            <pc:sldMk cId="3934684199" sldId="304"/>
+            <ac:picMk id="18434" creationId="{63080495-9E32-07BA-E2C0-DDC3C45C0D1E}"/>
+          </ac:picMkLst>
+        </pc:picChg>
+        <pc:picChg chg="del">
+          <ac:chgData name="Андрей Некрасов" userId="b42324093f890a18" providerId="LiveId" clId="{3F0F928F-7B6F-1D4F-99AC-0E289972A23D}" dt="2023-06-04T20:49:22.167" v="82" actId="478"/>
+          <ac:picMkLst>
+            <pc:docMk/>
+            <pc:sldMk cId="3934684199" sldId="304"/>
+            <ac:picMk id="18436" creationId="{85DE985C-0F06-2AE7-D542-BE0D55042828}"/>
+          </ac:picMkLst>
+        </pc:picChg>
+      </pc:sldChg>
+      <pc:sldChg chg="addSp modSp add mod">
+        <pc:chgData name="Андрей Некрасов" userId="b42324093f890a18" providerId="LiveId" clId="{3F0F928F-7B6F-1D4F-99AC-0E289972A23D}" dt="2023-06-04T22:01:38.089" v="529" actId="1076"/>
+        <pc:sldMkLst>
+          <pc:docMk/>
+          <pc:sldMk cId="1241278274" sldId="305"/>
+        </pc:sldMkLst>
+        <pc:spChg chg="mod">
+          <ac:chgData name="Андрей Некрасов" userId="b42324093f890a18" providerId="LiveId" clId="{3F0F928F-7B6F-1D4F-99AC-0E289972A23D}" dt="2023-06-04T20:50:13.663" v="96" actId="20577"/>
+          <ac:spMkLst>
+            <pc:docMk/>
+            <pc:sldMk cId="1241278274" sldId="305"/>
+            <ac:spMk id="4" creationId="{BE3829DA-390E-46E2-8E16-B1C69E159BEE}"/>
+          </ac:spMkLst>
+        </pc:spChg>
+        <pc:spChg chg="mod">
+          <ac:chgData name="Андрей Некрасов" userId="b42324093f890a18" providerId="LiveId" clId="{3F0F928F-7B6F-1D4F-99AC-0E289972A23D}" dt="2023-06-04T20:59:08.903" v="516" actId="20577"/>
+          <ac:spMkLst>
+            <pc:docMk/>
+            <pc:sldMk cId="1241278274" sldId="305"/>
+            <ac:spMk id="6" creationId="{55C78972-4174-2692-43D0-925077F9ECF6}"/>
+          </ac:spMkLst>
+        </pc:spChg>
+        <pc:picChg chg="add mod">
+          <ac:chgData name="Андрей Некрасов" userId="b42324093f890a18" providerId="LiveId" clId="{3F0F928F-7B6F-1D4F-99AC-0E289972A23D}" dt="2023-06-04T22:01:38.089" v="529" actId="1076"/>
+          <ac:picMkLst>
+            <pc:docMk/>
+            <pc:sldMk cId="1241278274" sldId="305"/>
+            <ac:picMk id="2" creationId="{E75EA727-CC0E-F704-B91F-0DA94D05A2FB}"/>
+          </ac:picMkLst>
+        </pc:picChg>
+        <pc:picChg chg="add mod">
+          <ac:chgData name="Андрей Некрасов" userId="b42324093f890a18" providerId="LiveId" clId="{3F0F928F-7B6F-1D4F-99AC-0E289972A23D}" dt="2023-06-04T22:01:34.431" v="528" actId="1076"/>
+          <ac:picMkLst>
+            <pc:docMk/>
+            <pc:sldMk cId="1241278274" sldId="305"/>
+            <ac:picMk id="3" creationId="{E1F14F63-40AA-62AF-43EB-CFFD7DF6E0CB}"/>
+          </ac:picMkLst>
+        </pc:picChg>
+        <pc:picChg chg="add mod">
+          <ac:chgData name="Андрей Некрасов" userId="b42324093f890a18" providerId="LiveId" clId="{3F0F928F-7B6F-1D4F-99AC-0E289972A23D}" dt="2023-06-04T20:57:48.320" v="515" actId="1440"/>
+          <ac:picMkLst>
+            <pc:docMk/>
+            <pc:sldMk cId="1241278274" sldId="305"/>
+            <ac:picMk id="7" creationId="{65C39809-FDF3-7FE7-B9DB-47E268F52173}"/>
+          </ac:picMkLst>
+        </pc:picChg>
+      </pc:sldChg>
+    </pc:docChg>
+  </pc:docChgLst>
+</pc:chgInfo>
 </file>
 
 <file path=ppt/slideLayouts/slideLayout1.xml><?xml version="1.0" encoding="utf-8"?>
@@ -662,7 +937,7 @@
             </a:pPr>
             <a:fld id="{1D8BD707-D9CF-40AE-B4C6-C98DA3205C09}" type="datetimeFigureOut">
               <a:rPr lang="en-US"/>
-              <a:t>6/3/23</a:t>
+              <a:t>6/4/23</a:t>
             </a:fld>
             <a:endParaRPr lang="en-US"/>
           </a:p>
@@ -1177,7 +1452,7 @@
           <a:p>
             <a:fld id="{4583FB6F-ACA5-4987-9D7D-422181772236}" type="datetimeFigureOut">
               <a:rPr lang="ru-RU" smtClean="0"/>
-              <a:t>03.06.2023</a:t>
+              <a:t>04.06.2023</a:t>
             </a:fld>
             <a:endParaRPr lang="ru-RU"/>
           </a:p>
@@ -2283,7 +2558,7 @@
           <a:p>
             <a:fld id="{4583FB6F-ACA5-4987-9D7D-422181772236}" type="datetimeFigureOut">
               <a:rPr lang="ru-RU" smtClean="0"/>
-              <a:t>03.06.2023</a:t>
+              <a:t>04.06.2023</a:t>
             </a:fld>
             <a:endParaRPr lang="ru-RU"/>
           </a:p>
@@ -2507,7 +2782,7 @@
             </a:pPr>
             <a:fld id="{1D8BD707-D9CF-40AE-B4C6-C98DA3205C09}" type="datetimeFigureOut">
               <a:rPr lang="en-US"/>
-              <a:t>6/3/23</a:t>
+              <a:t>6/4/23</a:t>
             </a:fld>
             <a:endParaRPr lang="en-US"/>
           </a:p>
@@ -2740,7 +3015,7 @@
           <a:p>
             <a:fld id="{4583FB6F-ACA5-4987-9D7D-422181772236}" type="datetimeFigureOut">
               <a:rPr lang="ru-RU" smtClean="0"/>
-              <a:t>03.06.2023</a:t>
+              <a:t>04.06.2023</a:t>
             </a:fld>
             <a:endParaRPr lang="ru-RU"/>
           </a:p>
@@ -5534,7 +5809,7 @@
                 <a:latin typeface="SB Sans Display Light" panose="020B0303040504020204" pitchFamily="34" charset="0"/>
                 <a:cs typeface="SB Sans Display Light" panose="020B0303040504020204" pitchFamily="34" charset="0"/>
               </a:rPr>
-              <a:t>4 (1/3)</a:t>
+              <a:t>4</a:t>
             </a:r>
           </a:p>
         </p:txBody>
@@ -6393,74 +6668,6 @@
             <a:r>
               <a:rPr lang="ru-RU" sz="1800" i="1" dirty="0" err="1"/>
               <a:t>бустинга</a:t>
-            </a:r>
-            <a:endParaRPr lang="ru-RU" sz="1800" i="1" dirty="0"/>
-          </a:p>
-        </p:txBody>
-      </p:sp>
-      <p:sp>
-        <p:nvSpPr>
-          <p:cNvPr id="10" name="TextBox 9">
-            <a:extLst>
-              <a:ext uri="{FF2B5EF4-FFF2-40B4-BE49-F238E27FC236}">
-                <a16:creationId xmlns:a16="http://schemas.microsoft.com/office/drawing/2014/main" id="{6045C0A6-62AB-91E3-B86F-C6E80E92534B}"/>
-              </a:ext>
-            </a:extLst>
-          </p:cNvPr>
-          <p:cNvSpPr txBox="1"/>
-          <p:nvPr/>
-        </p:nvSpPr>
-        <p:spPr>
-          <a:xfrm>
-            <a:off x="586943" y="6328824"/>
-            <a:ext cx="8779477" cy="369332"/>
-          </a:xfrm>
-          <a:prstGeom prst="rect">
-            <a:avLst/>
-          </a:prstGeom>
-          <a:noFill/>
-        </p:spPr>
-        <p:txBody>
-          <a:bodyPr wrap="square">
-            <a:spAutoFit/>
-          </a:bodyPr>
-          <a:lstStyle/>
-          <a:p>
-            <a:r>
-              <a:rPr lang="en-US" i="1" dirty="0"/>
-              <a:t>#</a:t>
-            </a:r>
-            <a:r>
-              <a:rPr lang="ru-RU" i="1" dirty="0"/>
-              <a:t> решение в </a:t>
-            </a:r>
-            <a:r>
-              <a:rPr lang="en-US" i="1" dirty="0" err="1"/>
-              <a:t>Streamlit</a:t>
-            </a:r>
-            <a:r>
-              <a:rPr lang="en-US" i="1" dirty="0"/>
-              <a:t> </a:t>
-            </a:r>
-            <a:r>
-              <a:rPr lang="en-US" i="1" dirty="0">
-                <a:hlinkClick r:id="rId2"/>
-              </a:rPr>
-              <a:t>http://localhost:8502</a:t>
-            </a:r>
-            <a:r>
-              <a:rPr lang="en-US" i="1" dirty="0"/>
-              <a:t>. 	</a:t>
-            </a:r>
-            <a:r>
-              <a:rPr lang="en-US" i="1" dirty="0">
-                <a:hlinkClick r:id="rId3"/>
-              </a:rPr>
-              <a:t>http://10.14.0.2:8502</a:t>
-            </a:r>
-            <a:r>
-              <a:rPr lang="en-US" i="1" dirty="0"/>
-              <a:t>  </a:t>
             </a:r>
             <a:endParaRPr lang="ru-RU" sz="1800" i="1" dirty="0"/>
           </a:p>
@@ -6610,7 +6817,7 @@
                 <a:latin typeface="SB Sans Display Light" panose="020B0303040504020204" pitchFamily="34" charset="0"/>
                 <a:cs typeface="SB Sans Display Light" panose="020B0303040504020204" pitchFamily="34" charset="0"/>
               </a:rPr>
-              <a:t>4 (2/3)</a:t>
+              <a:t>4. Jupiter notebook (1/4)</a:t>
             </a:r>
           </a:p>
         </p:txBody>
@@ -6706,74 +6913,6 @@
             <a:r>
               <a:rPr lang="en-US" i="1" dirty="0"/>
               <a:t>JFK </a:t>
-            </a:r>
-            <a:endParaRPr lang="ru-RU" sz="1800" i="1" dirty="0"/>
-          </a:p>
-        </p:txBody>
-      </p:sp>
-      <p:sp>
-        <p:nvSpPr>
-          <p:cNvPr id="10" name="TextBox 9">
-            <a:extLst>
-              <a:ext uri="{FF2B5EF4-FFF2-40B4-BE49-F238E27FC236}">
-                <a16:creationId xmlns:a16="http://schemas.microsoft.com/office/drawing/2014/main" id="{6045C0A6-62AB-91E3-B86F-C6E80E92534B}"/>
-              </a:ext>
-            </a:extLst>
-          </p:cNvPr>
-          <p:cNvSpPr txBox="1"/>
-          <p:nvPr/>
-        </p:nvSpPr>
-        <p:spPr>
-          <a:xfrm>
-            <a:off x="586944" y="6343423"/>
-            <a:ext cx="8779477" cy="369332"/>
-          </a:xfrm>
-          <a:prstGeom prst="rect">
-            <a:avLst/>
-          </a:prstGeom>
-          <a:noFill/>
-        </p:spPr>
-        <p:txBody>
-          <a:bodyPr wrap="square">
-            <a:spAutoFit/>
-          </a:bodyPr>
-          <a:lstStyle/>
-          <a:p>
-            <a:r>
-              <a:rPr lang="en-US" i="1" dirty="0"/>
-              <a:t>#</a:t>
-            </a:r>
-            <a:r>
-              <a:rPr lang="ru-RU" i="1" dirty="0"/>
-              <a:t> решение в </a:t>
-            </a:r>
-            <a:r>
-              <a:rPr lang="en-US" i="1" dirty="0" err="1"/>
-              <a:t>Streamlit</a:t>
-            </a:r>
-            <a:r>
-              <a:rPr lang="en-US" i="1" dirty="0"/>
-              <a:t> </a:t>
-            </a:r>
-            <a:r>
-              <a:rPr lang="en-US" i="1" dirty="0">
-                <a:hlinkClick r:id="rId3"/>
-              </a:rPr>
-              <a:t>http://localhost:8502</a:t>
-            </a:r>
-            <a:r>
-              <a:rPr lang="en-US" i="1" dirty="0"/>
-              <a:t>. 	</a:t>
-            </a:r>
-            <a:r>
-              <a:rPr lang="en-US" i="1" dirty="0">
-                <a:hlinkClick r:id="rId4"/>
-              </a:rPr>
-              <a:t>http://10.14.0.2:8502</a:t>
-            </a:r>
-            <a:r>
-              <a:rPr lang="en-US" i="1" dirty="0"/>
-              <a:t>  </a:t>
             </a:r>
             <a:endParaRPr lang="ru-RU" sz="1800" i="1" dirty="0"/>
           </a:p>
@@ -9823,7 +9962,7 @@
                 <a:latin typeface="SB Sans Display Light" panose="020B0303040504020204" pitchFamily="34" charset="0"/>
                 <a:cs typeface="SB Sans Display Light" panose="020B0303040504020204" pitchFamily="34" charset="0"/>
               </a:rPr>
-              <a:t>4 (3/3)</a:t>
+              <a:t>4. Jupiter notebook (2/4)</a:t>
             </a:r>
           </a:p>
         </p:txBody>
@@ -9928,74 +10067,6 @@
           </a:p>
         </p:txBody>
       </p:sp>
-      <p:sp>
-        <p:nvSpPr>
-          <p:cNvPr id="10" name="TextBox 9">
-            <a:extLst>
-              <a:ext uri="{FF2B5EF4-FFF2-40B4-BE49-F238E27FC236}">
-                <a16:creationId xmlns:a16="http://schemas.microsoft.com/office/drawing/2014/main" id="{6045C0A6-62AB-91E3-B86F-C6E80E92534B}"/>
-              </a:ext>
-            </a:extLst>
-          </p:cNvPr>
-          <p:cNvSpPr txBox="1"/>
-          <p:nvPr/>
-        </p:nvSpPr>
-        <p:spPr>
-          <a:xfrm>
-            <a:off x="586944" y="6343423"/>
-            <a:ext cx="8779477" cy="369332"/>
-          </a:xfrm>
-          <a:prstGeom prst="rect">
-            <a:avLst/>
-          </a:prstGeom>
-          <a:noFill/>
-        </p:spPr>
-        <p:txBody>
-          <a:bodyPr wrap="square">
-            <a:spAutoFit/>
-          </a:bodyPr>
-          <a:lstStyle/>
-          <a:p>
-            <a:r>
-              <a:rPr lang="en-US" i="1" dirty="0"/>
-              <a:t>#</a:t>
-            </a:r>
-            <a:r>
-              <a:rPr lang="ru-RU" i="1" dirty="0"/>
-              <a:t> решение в </a:t>
-            </a:r>
-            <a:r>
-              <a:rPr lang="en-US" i="1" dirty="0" err="1"/>
-              <a:t>Streamlit</a:t>
-            </a:r>
-            <a:r>
-              <a:rPr lang="en-US" i="1" dirty="0"/>
-              <a:t> </a:t>
-            </a:r>
-            <a:r>
-              <a:rPr lang="en-US" i="1" dirty="0">
-                <a:hlinkClick r:id="rId3"/>
-              </a:rPr>
-              <a:t>http://localhost:8502</a:t>
-            </a:r>
-            <a:r>
-              <a:rPr lang="en-US" i="1" dirty="0"/>
-              <a:t>. 	</a:t>
-            </a:r>
-            <a:r>
-              <a:rPr lang="en-US" i="1" dirty="0">
-                <a:hlinkClick r:id="rId4"/>
-              </a:rPr>
-              <a:t>http://10.14.0.2:8502</a:t>
-            </a:r>
-            <a:r>
-              <a:rPr lang="en-US" i="1" dirty="0"/>
-              <a:t>  </a:t>
-            </a:r>
-            <a:endParaRPr lang="ru-RU" sz="1800" i="1" dirty="0"/>
-          </a:p>
-        </p:txBody>
-      </p:sp>
       <p:pic>
         <p:nvPicPr>
           <p:cNvPr id="18434" name="Picture 2">
@@ -10011,7 +10082,7 @@
           <p:nvPr/>
         </p:nvPicPr>
         <p:blipFill>
-          <a:blip r:embed="rId5" cstate="email">
+          <a:blip r:embed="rId3" cstate="email">
             <a:alphaModFix amt="74000"/>
             <a:extLst>
               <a:ext uri="{28A0092B-C50C-407E-A947-70E740481C1C}">
@@ -10059,7 +10130,7 @@
           <p:nvPr/>
         </p:nvPicPr>
         <p:blipFill>
-          <a:blip r:embed="rId6" cstate="email">
+          <a:blip r:embed="rId4" cstate="email">
             <a:alphaModFix amt="77000"/>
             <a:extLst>
               <a:ext uri="{28A0092B-C50C-407E-A947-70E740481C1C}">
@@ -10092,10 +10163,914 @@
           </a:extLst>
         </p:spPr>
       </p:pic>
+      <p:sp>
+        <p:nvSpPr>
+          <p:cNvPr id="2" name="TextBox 1">
+            <a:extLst>
+              <a:ext uri="{FF2B5EF4-FFF2-40B4-BE49-F238E27FC236}">
+                <a16:creationId xmlns:a16="http://schemas.microsoft.com/office/drawing/2014/main" id="{BEDDE141-4E38-6C38-380B-8226ABAAFB8A}"/>
+              </a:ext>
+            </a:extLst>
+          </p:cNvPr>
+          <p:cNvSpPr txBox="1"/>
+          <p:nvPr/>
+        </p:nvSpPr>
+        <p:spPr>
+          <a:xfrm>
+            <a:off x="586944" y="6343423"/>
+            <a:ext cx="8779477" cy="369332"/>
+          </a:xfrm>
+          <a:prstGeom prst="rect">
+            <a:avLst/>
+          </a:prstGeom>
+          <a:noFill/>
+        </p:spPr>
+        <p:txBody>
+          <a:bodyPr wrap="square">
+            <a:spAutoFit/>
+          </a:bodyPr>
+          <a:lstStyle/>
+          <a:p>
+            <a:r>
+              <a:rPr lang="en-US" i="1" dirty="0"/>
+              <a:t>#</a:t>
+            </a:r>
+            <a:r>
+              <a:rPr lang="ru-RU" i="1" dirty="0"/>
+              <a:t> решение в </a:t>
+            </a:r>
+            <a:r>
+              <a:rPr lang="en-US" i="1" dirty="0" err="1"/>
+              <a:t>Streamlit</a:t>
+            </a:r>
+            <a:r>
+              <a:rPr lang="en-US" i="1" dirty="0"/>
+              <a:t> </a:t>
+            </a:r>
+            <a:r>
+              <a:rPr lang="en-US" i="1" dirty="0">
+                <a:hlinkClick r:id="rId5"/>
+              </a:rPr>
+              <a:t>http://localhost:8502</a:t>
+            </a:r>
+            <a:r>
+              <a:rPr lang="en-US" i="1" dirty="0"/>
+              <a:t>. 	</a:t>
+            </a:r>
+            <a:r>
+              <a:rPr lang="en-US" i="1" dirty="0">
+                <a:hlinkClick r:id="rId6"/>
+              </a:rPr>
+              <a:t>http://10.14.0.2:8502</a:t>
+            </a:r>
+            <a:r>
+              <a:rPr lang="en-US" i="1" dirty="0"/>
+              <a:t>  </a:t>
+            </a:r>
+            <a:endParaRPr lang="ru-RU" sz="1800" i="1" dirty="0"/>
+          </a:p>
+        </p:txBody>
+      </p:sp>
     </p:spTree>
     <p:extLst>
       <p:ext uri="{BB962C8B-B14F-4D97-AF65-F5344CB8AC3E}">
         <p14:creationId xmlns:p14="http://schemas.microsoft.com/office/powerpoint/2010/main" val="3835008672"/>
+      </p:ext>
+    </p:extLst>
+  </p:cSld>
+  <p:clrMapOvr>
+    <a:masterClrMapping/>
+  </p:clrMapOvr>
+</p:sld>
+</file>
+
+<file path=ppt/slides/slide15.xml><?xml version="1.0" encoding="utf-8"?>
+<p:sld xmlns:a="http://schemas.openxmlformats.org/drawingml/2006/main" xmlns:r="http://schemas.openxmlformats.org/officeDocument/2006/relationships" xmlns:p="http://schemas.openxmlformats.org/presentationml/2006/main">
+  <p:cSld>
+    <p:spTree>
+      <p:nvGrpSpPr>
+        <p:cNvPr id="1" name=""/>
+        <p:cNvGrpSpPr/>
+        <p:nvPr/>
+      </p:nvGrpSpPr>
+      <p:grpSpPr>
+        <a:xfrm>
+          <a:off x="0" y="0"/>
+          <a:ext cx="0" cy="0"/>
+          <a:chOff x="0" y="0"/>
+          <a:chExt cx="0" cy="0"/>
+        </a:xfrm>
+      </p:grpSpPr>
+      <p:pic>
+        <p:nvPicPr>
+          <p:cNvPr id="16386" name="Picture 2" descr="Как добраться из аэропорта в Нью-Йорк">
+            <a:extLst>
+              <a:ext uri="{FF2B5EF4-FFF2-40B4-BE49-F238E27FC236}">
+                <a16:creationId xmlns:a16="http://schemas.microsoft.com/office/drawing/2014/main" id="{80EEF08C-E818-E4E9-02B5-749D307DDFD1}"/>
+              </a:ext>
+            </a:extLst>
+          </p:cNvPr>
+          <p:cNvPicPr>
+            <a:picLocks noChangeAspect="1" noChangeArrowheads="1"/>
+          </p:cNvPicPr>
+          <p:nvPr/>
+        </p:nvPicPr>
+        <p:blipFill rotWithShape="1">
+          <a:blip r:embed="rId2" cstate="email">
+            <a:alphaModFix amt="26000"/>
+            <a:extLst>
+              <a:ext uri="{28A0092B-C50C-407E-A947-70E740481C1C}">
+                <a14:useLocalDpi xmlns:a14="http://schemas.microsoft.com/office/drawing/2010/main"/>
+              </a:ext>
+            </a:extLst>
+          </a:blip>
+          <a:srcRect/>
+          <a:stretch/>
+        </p:blipFill>
+        <p:spPr bwMode="auto">
+          <a:xfrm>
+            <a:off x="0" y="0"/>
+            <a:ext cx="12192000" cy="6858000"/>
+          </a:xfrm>
+          <a:prstGeom prst="rect">
+            <a:avLst/>
+          </a:prstGeom>
+          <a:noFill/>
+          <a:extLst>
+            <a:ext uri="{909E8E84-426E-40DD-AFC4-6F175D3DCCD1}">
+              <a14:hiddenFill xmlns:a14="http://schemas.microsoft.com/office/drawing/2010/main">
+                <a:solidFill>
+                  <a:srgbClr val="FFFFFF"/>
+                </a:solidFill>
+              </a14:hiddenFill>
+            </a:ext>
+          </a:extLst>
+        </p:spPr>
+      </p:pic>
+      <p:sp>
+        <p:nvSpPr>
+          <p:cNvPr id="4" name="Title 7">
+            <a:extLst>
+              <a:ext uri="{FF2B5EF4-FFF2-40B4-BE49-F238E27FC236}">
+                <a16:creationId xmlns:a16="http://schemas.microsoft.com/office/drawing/2014/main" id="{BE3829DA-390E-46E2-8E16-B1C69E159BEE}"/>
+              </a:ext>
+            </a:extLst>
+          </p:cNvPr>
+          <p:cNvSpPr txBox="1">
+            <a:spLocks/>
+          </p:cNvSpPr>
+          <p:nvPr/>
+        </p:nvSpPr>
+        <p:spPr bwMode="auto">
+          <a:xfrm>
+            <a:off x="685800" y="639501"/>
+            <a:ext cx="10820400" cy="1937825"/>
+          </a:xfrm>
+          <a:prstGeom prst="rect">
+            <a:avLst/>
+          </a:prstGeom>
+        </p:spPr>
+        <p:txBody>
+          <a:bodyPr lIns="0" tIns="0" rIns="0" bIns="0"/>
+          <a:lstStyle>
+            <a:lvl1pPr algn="l" defTabSz="914400" rtl="0" eaLnBrk="1" latinLnBrk="0" hangingPunct="1">
+              <a:lnSpc>
+                <a:spcPct val="90000"/>
+              </a:lnSpc>
+              <a:spcBef>
+                <a:spcPct val="0"/>
+              </a:spcBef>
+              <a:buNone/>
+              <a:defRPr sz="4400" b="0" i="0" kern="1200">
+                <a:solidFill>
+                  <a:schemeClr val="tx1"/>
+                </a:solidFill>
+                <a:latin typeface="SB Sans Display Regular" panose="020B0503040504020204" pitchFamily="34" charset="0"/>
+                <a:ea typeface="+mj-ea"/>
+                <a:cs typeface="+mj-cs"/>
+              </a:defRPr>
+            </a:lvl1pPr>
+          </a:lstStyle>
+          <a:p>
+            <a:pPr>
+              <a:lnSpc>
+                <a:spcPct val="100000"/>
+              </a:lnSpc>
+            </a:pPr>
+            <a:r>
+              <a:rPr lang="ru-RU" sz="4000" dirty="0">
+                <a:solidFill>
+                  <a:srgbClr val="333F48"/>
+                </a:solidFill>
+                <a:latin typeface="SB Sans Display Light" panose="020B0303040504020204" pitchFamily="34" charset="0"/>
+                <a:cs typeface="SB Sans Display Light" panose="020B0303040504020204" pitchFamily="34" charset="0"/>
+              </a:rPr>
+              <a:t>Задание </a:t>
+            </a:r>
+            <a:r>
+              <a:rPr lang="en-US" sz="4000" dirty="0">
+                <a:solidFill>
+                  <a:srgbClr val="333F48"/>
+                </a:solidFill>
+                <a:latin typeface="SB Sans Display Light" panose="020B0303040504020204" pitchFamily="34" charset="0"/>
+                <a:cs typeface="SB Sans Display Light" panose="020B0303040504020204" pitchFamily="34" charset="0"/>
+              </a:rPr>
+              <a:t>4. </a:t>
+            </a:r>
+            <a:r>
+              <a:rPr lang="en-US" sz="4000" dirty="0" err="1">
+                <a:solidFill>
+                  <a:srgbClr val="333F48"/>
+                </a:solidFill>
+                <a:latin typeface="SB Sans Display Light" panose="020B0303040504020204" pitchFamily="34" charset="0"/>
+                <a:cs typeface="SB Sans Display Light" panose="020B0303040504020204" pitchFamily="34" charset="0"/>
+              </a:rPr>
+              <a:t>Streamlit</a:t>
+            </a:r>
+            <a:r>
+              <a:rPr lang="en-US" sz="4000" dirty="0">
+                <a:solidFill>
+                  <a:srgbClr val="333F48"/>
+                </a:solidFill>
+                <a:latin typeface="SB Sans Display Light" panose="020B0303040504020204" pitchFamily="34" charset="0"/>
+                <a:cs typeface="SB Sans Display Light" panose="020B0303040504020204" pitchFamily="34" charset="0"/>
+              </a:rPr>
+              <a:t> (3/4) </a:t>
+            </a:r>
+            <a:r>
+              <a:rPr lang="en-US" sz="1600" i="1" dirty="0">
+                <a:hlinkClick r:id="rId3"/>
+              </a:rPr>
+              <a:t>http://10.14.0.2:8502</a:t>
+            </a:r>
+            <a:r>
+              <a:rPr lang="en-US" sz="1600" i="1" dirty="0"/>
+              <a:t> </a:t>
+            </a:r>
+            <a:endParaRPr lang="en-US" sz="4000" dirty="0">
+              <a:solidFill>
+                <a:srgbClr val="333F48"/>
+              </a:solidFill>
+              <a:latin typeface="SB Sans Display Light" panose="020B0303040504020204" pitchFamily="34" charset="0"/>
+              <a:cs typeface="SB Sans Display Light" panose="020B0303040504020204" pitchFamily="34" charset="0"/>
+            </a:endParaRPr>
+          </a:p>
+        </p:txBody>
+      </p:sp>
+      <p:sp>
+        <p:nvSpPr>
+          <p:cNvPr id="5" name="TextBox 4">
+            <a:extLst>
+              <a:ext uri="{FF2B5EF4-FFF2-40B4-BE49-F238E27FC236}">
+                <a16:creationId xmlns:a16="http://schemas.microsoft.com/office/drawing/2014/main" id="{EDC63C9A-8800-1F37-B1F1-2600884CFFBC}"/>
+              </a:ext>
+            </a:extLst>
+          </p:cNvPr>
+          <p:cNvSpPr txBox="1"/>
+          <p:nvPr/>
+        </p:nvSpPr>
+        <p:spPr>
+          <a:xfrm>
+            <a:off x="586945" y="1295947"/>
+            <a:ext cx="11257393" cy="646331"/>
+          </a:xfrm>
+          <a:prstGeom prst="rect">
+            <a:avLst/>
+          </a:prstGeom>
+          <a:noFill/>
+        </p:spPr>
+        <p:txBody>
+          <a:bodyPr wrap="square">
+            <a:spAutoFit/>
+          </a:bodyPr>
+          <a:lstStyle/>
+          <a:p>
+            <a:r>
+              <a:rPr lang="ru-RU" sz="1800" dirty="0"/>
+              <a:t>Построить модель которая будет выбирать топ 3 аэропорта прилета (вероятность опоздания минимальная – </a:t>
+            </a:r>
+            <a:r>
+              <a:rPr lang="en-US" sz="1800" dirty="0"/>
+              <a:t>RMSE </a:t>
+            </a:r>
+            <a:r>
+              <a:rPr lang="ru-RU" sz="1800" dirty="0"/>
+              <a:t>метрика)</a:t>
+            </a:r>
+            <a:r>
+              <a:rPr lang="en-US" sz="1800" dirty="0"/>
+              <a:t>, </a:t>
+            </a:r>
+            <a:r>
+              <a:rPr lang="ru-RU" sz="1800" dirty="0"/>
+              <a:t> в зависимости от аэропорта вылета </a:t>
+            </a:r>
+            <a:endParaRPr lang="en-US" sz="1800" dirty="0"/>
+          </a:p>
+        </p:txBody>
+      </p:sp>
+      <p:sp>
+        <p:nvSpPr>
+          <p:cNvPr id="6" name="TextBox 5">
+            <a:extLst>
+              <a:ext uri="{FF2B5EF4-FFF2-40B4-BE49-F238E27FC236}">
+                <a16:creationId xmlns:a16="http://schemas.microsoft.com/office/drawing/2014/main" id="{55C78972-4174-2692-43D0-925077F9ECF6}"/>
+              </a:ext>
+            </a:extLst>
+          </p:cNvPr>
+          <p:cNvSpPr txBox="1"/>
+          <p:nvPr/>
+        </p:nvSpPr>
+        <p:spPr>
+          <a:xfrm>
+            <a:off x="586945" y="2129152"/>
+            <a:ext cx="11082046" cy="646331"/>
+          </a:xfrm>
+          <a:prstGeom prst="rect">
+            <a:avLst/>
+          </a:prstGeom>
+          <a:noFill/>
+        </p:spPr>
+        <p:txBody>
+          <a:bodyPr wrap="square">
+            <a:spAutoFit/>
+          </a:bodyPr>
+          <a:lstStyle/>
+          <a:p>
+            <a:r>
+              <a:rPr lang="en-US" i="1" dirty="0"/>
+              <a:t>#</a:t>
+            </a:r>
+            <a:r>
+              <a:rPr lang="ru-RU" i="1" dirty="0"/>
+              <a:t> </a:t>
+            </a:r>
+            <a:r>
+              <a:rPr lang="en-US" i="1" dirty="0"/>
+              <a:t> </a:t>
+            </a:r>
+            <a:r>
+              <a:rPr lang="ru-RU" i="1" dirty="0"/>
+              <a:t>создаем </a:t>
+            </a:r>
+            <a:r>
+              <a:rPr lang="en-US" i="1" dirty="0"/>
+              <a:t>*.</a:t>
+            </a:r>
+            <a:r>
+              <a:rPr lang="en-US" i="1" dirty="0" err="1"/>
+              <a:t>py</a:t>
+            </a:r>
+            <a:r>
+              <a:rPr lang="en-US" i="1" dirty="0"/>
+              <a:t> </a:t>
+            </a:r>
+            <a:r>
+              <a:rPr lang="ru-RU" i="1" dirty="0"/>
+              <a:t>файл на </a:t>
+            </a:r>
+            <a:r>
+              <a:rPr lang="en-US" i="1" dirty="0"/>
+              <a:t>Visual Studio Code. </a:t>
+            </a:r>
+            <a:r>
+              <a:rPr lang="ru-RU" i="1" dirty="0"/>
+              <a:t>Интегрируем код созданный на </a:t>
+            </a:r>
+            <a:r>
+              <a:rPr lang="en-US" i="1" dirty="0"/>
+              <a:t>Jupiter notebook </a:t>
+            </a:r>
+            <a:r>
+              <a:rPr lang="ru-RU" i="1" dirty="0"/>
+              <a:t>с учетом особенностей библиотеки </a:t>
+            </a:r>
+            <a:r>
+              <a:rPr lang="en-US" i="1" dirty="0" err="1"/>
+              <a:t>Streamlit</a:t>
+            </a:r>
+            <a:r>
+              <a:rPr lang="en-US" i="1" dirty="0"/>
+              <a:t> </a:t>
+            </a:r>
+            <a:r>
+              <a:rPr lang="ru-RU" i="1" dirty="0"/>
+              <a:t>и пожеланий по визуализации </a:t>
+            </a:r>
+            <a:endParaRPr lang="ru-RU" sz="1800" i="1" dirty="0"/>
+          </a:p>
+        </p:txBody>
+      </p:sp>
+      <p:pic>
+        <p:nvPicPr>
+          <p:cNvPr id="13" name="Рисунок 12" descr="Изображение выглядит как текст, карта, снимок экрана&#10;&#10;Автоматически созданное описание">
+            <a:extLst>
+              <a:ext uri="{FF2B5EF4-FFF2-40B4-BE49-F238E27FC236}">
+                <a16:creationId xmlns:a16="http://schemas.microsoft.com/office/drawing/2014/main" id="{57684DA1-9DCA-638E-1760-CF64492439BE}"/>
+              </a:ext>
+            </a:extLst>
+          </p:cNvPr>
+          <p:cNvPicPr>
+            <a:picLocks noChangeAspect="1"/>
+          </p:cNvPicPr>
+          <p:nvPr/>
+        </p:nvPicPr>
+        <p:blipFill>
+          <a:blip r:embed="rId4" cstate="email">
+            <a:extLst>
+              <a:ext uri="{28A0092B-C50C-407E-A947-70E740481C1C}">
+                <a14:useLocalDpi xmlns:a14="http://schemas.microsoft.com/office/drawing/2010/main"/>
+              </a:ext>
+            </a:extLst>
+          </a:blip>
+          <a:stretch>
+            <a:fillRect/>
+          </a:stretch>
+        </p:blipFill>
+        <p:spPr>
+          <a:xfrm>
+            <a:off x="527987" y="3149445"/>
+            <a:ext cx="5509055" cy="3012249"/>
+          </a:xfrm>
+          <a:prstGeom prst="rect">
+            <a:avLst/>
+          </a:prstGeom>
+          <a:ln>
+            <a:noFill/>
+          </a:ln>
+          <a:effectLst>
+            <a:outerShdw blurRad="292100" dist="139700" dir="2700000" algn="tl" rotWithShape="0">
+              <a:srgbClr val="333333">
+                <a:alpha val="65000"/>
+              </a:srgbClr>
+            </a:outerShdw>
+          </a:effectLst>
+        </p:spPr>
+      </p:pic>
+      <p:pic>
+        <p:nvPicPr>
+          <p:cNvPr id="19" name="Рисунок 18" descr="Изображение выглядит как текст, снимок экрана, карта, диаграмма&#10;&#10;Автоматически созданное описание">
+            <a:extLst>
+              <a:ext uri="{FF2B5EF4-FFF2-40B4-BE49-F238E27FC236}">
+                <a16:creationId xmlns:a16="http://schemas.microsoft.com/office/drawing/2014/main" id="{B437FB2B-F3BD-9611-B1D5-98E1D6AC426E}"/>
+              </a:ext>
+            </a:extLst>
+          </p:cNvPr>
+          <p:cNvPicPr>
+            <a:picLocks noChangeAspect="1"/>
+          </p:cNvPicPr>
+          <p:nvPr/>
+        </p:nvPicPr>
+        <p:blipFill>
+          <a:blip r:embed="rId5" cstate="email">
+            <a:extLst>
+              <a:ext uri="{28A0092B-C50C-407E-A947-70E740481C1C}">
+                <a14:useLocalDpi xmlns:a14="http://schemas.microsoft.com/office/drawing/2010/main"/>
+              </a:ext>
+            </a:extLst>
+          </a:blip>
+          <a:stretch>
+            <a:fillRect/>
+          </a:stretch>
+        </p:blipFill>
+        <p:spPr>
+          <a:xfrm>
+            <a:off x="6400695" y="3149445"/>
+            <a:ext cx="5300434" cy="3012249"/>
+          </a:xfrm>
+          <a:prstGeom prst="rect">
+            <a:avLst/>
+          </a:prstGeom>
+        </p:spPr>
+      </p:pic>
+    </p:spTree>
+    <p:extLst>
+      <p:ext uri="{BB962C8B-B14F-4D97-AF65-F5344CB8AC3E}">
+        <p14:creationId xmlns:p14="http://schemas.microsoft.com/office/powerpoint/2010/main" val="3934684199"/>
+      </p:ext>
+    </p:extLst>
+  </p:cSld>
+  <p:clrMapOvr>
+    <a:masterClrMapping/>
+  </p:clrMapOvr>
+</p:sld>
+</file>
+
+<file path=ppt/slides/slide16.xml><?xml version="1.0" encoding="utf-8"?>
+<p:sld xmlns:a="http://schemas.openxmlformats.org/drawingml/2006/main" xmlns:r="http://schemas.openxmlformats.org/officeDocument/2006/relationships" xmlns:p="http://schemas.openxmlformats.org/presentationml/2006/main">
+  <p:cSld>
+    <p:spTree>
+      <p:nvGrpSpPr>
+        <p:cNvPr id="1" name=""/>
+        <p:cNvGrpSpPr/>
+        <p:nvPr/>
+      </p:nvGrpSpPr>
+      <p:grpSpPr>
+        <a:xfrm>
+          <a:off x="0" y="0"/>
+          <a:ext cx="0" cy="0"/>
+          <a:chOff x="0" y="0"/>
+          <a:chExt cx="0" cy="0"/>
+        </a:xfrm>
+      </p:grpSpPr>
+      <p:pic>
+        <p:nvPicPr>
+          <p:cNvPr id="16386" name="Picture 2" descr="Как добраться из аэропорта в Нью-Йорк">
+            <a:extLst>
+              <a:ext uri="{FF2B5EF4-FFF2-40B4-BE49-F238E27FC236}">
+                <a16:creationId xmlns:a16="http://schemas.microsoft.com/office/drawing/2014/main" id="{80EEF08C-E818-E4E9-02B5-749D307DDFD1}"/>
+              </a:ext>
+            </a:extLst>
+          </p:cNvPr>
+          <p:cNvPicPr>
+            <a:picLocks noChangeAspect="1" noChangeArrowheads="1"/>
+          </p:cNvPicPr>
+          <p:nvPr/>
+        </p:nvPicPr>
+        <p:blipFill rotWithShape="1">
+          <a:blip r:embed="rId2" cstate="email">
+            <a:alphaModFix amt="26000"/>
+            <a:extLst>
+              <a:ext uri="{28A0092B-C50C-407E-A947-70E740481C1C}">
+                <a14:useLocalDpi xmlns:a14="http://schemas.microsoft.com/office/drawing/2010/main"/>
+              </a:ext>
+            </a:extLst>
+          </a:blip>
+          <a:srcRect/>
+          <a:stretch/>
+        </p:blipFill>
+        <p:spPr bwMode="auto">
+          <a:xfrm>
+            <a:off x="0" y="0"/>
+            <a:ext cx="12192000" cy="6858000"/>
+          </a:xfrm>
+          <a:prstGeom prst="rect">
+            <a:avLst/>
+          </a:prstGeom>
+          <a:noFill/>
+          <a:extLst>
+            <a:ext uri="{909E8E84-426E-40DD-AFC4-6F175D3DCCD1}">
+              <a14:hiddenFill xmlns:a14="http://schemas.microsoft.com/office/drawing/2010/main">
+                <a:solidFill>
+                  <a:srgbClr val="FFFFFF"/>
+                </a:solidFill>
+              </a14:hiddenFill>
+            </a:ext>
+          </a:extLst>
+        </p:spPr>
+      </p:pic>
+      <p:sp>
+        <p:nvSpPr>
+          <p:cNvPr id="4" name="Title 7">
+            <a:extLst>
+              <a:ext uri="{FF2B5EF4-FFF2-40B4-BE49-F238E27FC236}">
+                <a16:creationId xmlns:a16="http://schemas.microsoft.com/office/drawing/2014/main" id="{BE3829DA-390E-46E2-8E16-B1C69E159BEE}"/>
+              </a:ext>
+            </a:extLst>
+          </p:cNvPr>
+          <p:cNvSpPr txBox="1">
+            <a:spLocks/>
+          </p:cNvSpPr>
+          <p:nvPr/>
+        </p:nvSpPr>
+        <p:spPr bwMode="auto">
+          <a:xfrm>
+            <a:off x="685800" y="639501"/>
+            <a:ext cx="10820400" cy="1937825"/>
+          </a:xfrm>
+          <a:prstGeom prst="rect">
+            <a:avLst/>
+          </a:prstGeom>
+        </p:spPr>
+        <p:txBody>
+          <a:bodyPr lIns="0" tIns="0" rIns="0" bIns="0"/>
+          <a:lstStyle>
+            <a:lvl1pPr algn="l" defTabSz="914400" rtl="0" eaLnBrk="1" latinLnBrk="0" hangingPunct="1">
+              <a:lnSpc>
+                <a:spcPct val="90000"/>
+              </a:lnSpc>
+              <a:spcBef>
+                <a:spcPct val="0"/>
+              </a:spcBef>
+              <a:buNone/>
+              <a:defRPr sz="4400" b="0" i="0" kern="1200">
+                <a:solidFill>
+                  <a:schemeClr val="tx1"/>
+                </a:solidFill>
+                <a:latin typeface="SB Sans Display Regular" panose="020B0503040504020204" pitchFamily="34" charset="0"/>
+                <a:ea typeface="+mj-ea"/>
+                <a:cs typeface="+mj-cs"/>
+              </a:defRPr>
+            </a:lvl1pPr>
+          </a:lstStyle>
+          <a:p>
+            <a:pPr>
+              <a:lnSpc>
+                <a:spcPct val="100000"/>
+              </a:lnSpc>
+            </a:pPr>
+            <a:r>
+              <a:rPr lang="ru-RU" sz="4000" dirty="0">
+                <a:solidFill>
+                  <a:srgbClr val="333F48"/>
+                </a:solidFill>
+                <a:latin typeface="SB Sans Display Light" panose="020B0303040504020204" pitchFamily="34" charset="0"/>
+                <a:cs typeface="SB Sans Display Light" panose="020B0303040504020204" pitchFamily="34" charset="0"/>
+              </a:rPr>
+              <a:t>Задание </a:t>
+            </a:r>
+            <a:r>
+              <a:rPr lang="en-US" sz="4000" dirty="0">
+                <a:solidFill>
+                  <a:srgbClr val="333F48"/>
+                </a:solidFill>
+                <a:latin typeface="SB Sans Display Light" panose="020B0303040504020204" pitchFamily="34" charset="0"/>
+                <a:cs typeface="SB Sans Display Light" panose="020B0303040504020204" pitchFamily="34" charset="0"/>
+              </a:rPr>
+              <a:t>4. </a:t>
+            </a:r>
+            <a:r>
+              <a:rPr lang="en-US" sz="4000" dirty="0" err="1">
+                <a:solidFill>
+                  <a:srgbClr val="333F48"/>
+                </a:solidFill>
+                <a:latin typeface="SB Sans Display Light" panose="020B0303040504020204" pitchFamily="34" charset="0"/>
+                <a:cs typeface="SB Sans Display Light" panose="020B0303040504020204" pitchFamily="34" charset="0"/>
+              </a:rPr>
+              <a:t>Streamlit</a:t>
+            </a:r>
+            <a:r>
+              <a:rPr lang="en-US" sz="4000" dirty="0">
+                <a:solidFill>
+                  <a:srgbClr val="333F48"/>
+                </a:solidFill>
+                <a:latin typeface="SB Sans Display Light" panose="020B0303040504020204" pitchFamily="34" charset="0"/>
+                <a:cs typeface="SB Sans Display Light" panose="020B0303040504020204" pitchFamily="34" charset="0"/>
+              </a:rPr>
+              <a:t> (4/4) </a:t>
+            </a:r>
+            <a:r>
+              <a:rPr lang="en-US" sz="1600" i="1" dirty="0">
+                <a:hlinkClick r:id="rId3"/>
+              </a:rPr>
+              <a:t>http://10.14.0.2:8502</a:t>
+            </a:r>
+            <a:r>
+              <a:rPr lang="en-US" sz="1600" i="1" dirty="0"/>
+              <a:t> </a:t>
+            </a:r>
+            <a:endParaRPr lang="en-US" sz="4000" dirty="0">
+              <a:solidFill>
+                <a:srgbClr val="333F48"/>
+              </a:solidFill>
+              <a:latin typeface="SB Sans Display Light" panose="020B0303040504020204" pitchFamily="34" charset="0"/>
+              <a:cs typeface="SB Sans Display Light" panose="020B0303040504020204" pitchFamily="34" charset="0"/>
+            </a:endParaRPr>
+          </a:p>
+        </p:txBody>
+      </p:sp>
+      <p:sp>
+        <p:nvSpPr>
+          <p:cNvPr id="5" name="TextBox 4">
+            <a:extLst>
+              <a:ext uri="{FF2B5EF4-FFF2-40B4-BE49-F238E27FC236}">
+                <a16:creationId xmlns:a16="http://schemas.microsoft.com/office/drawing/2014/main" id="{EDC63C9A-8800-1F37-B1F1-2600884CFFBC}"/>
+              </a:ext>
+            </a:extLst>
+          </p:cNvPr>
+          <p:cNvSpPr txBox="1"/>
+          <p:nvPr/>
+        </p:nvSpPr>
+        <p:spPr>
+          <a:xfrm>
+            <a:off x="586945" y="1295947"/>
+            <a:ext cx="11257393" cy="646331"/>
+          </a:xfrm>
+          <a:prstGeom prst="rect">
+            <a:avLst/>
+          </a:prstGeom>
+          <a:noFill/>
+        </p:spPr>
+        <p:txBody>
+          <a:bodyPr wrap="square">
+            <a:spAutoFit/>
+          </a:bodyPr>
+          <a:lstStyle/>
+          <a:p>
+            <a:r>
+              <a:rPr lang="ru-RU" sz="1800" dirty="0"/>
+              <a:t>Построить модель которая будет выбирать топ 3 аэропорта прилета (вероятность опоздания минимальная – </a:t>
+            </a:r>
+            <a:r>
+              <a:rPr lang="en-US" sz="1800" dirty="0"/>
+              <a:t>RMSE </a:t>
+            </a:r>
+            <a:r>
+              <a:rPr lang="ru-RU" sz="1800" dirty="0"/>
+              <a:t>метрика)</a:t>
+            </a:r>
+            <a:r>
+              <a:rPr lang="en-US" sz="1800" dirty="0"/>
+              <a:t>, </a:t>
+            </a:r>
+            <a:r>
+              <a:rPr lang="ru-RU" sz="1800" dirty="0"/>
+              <a:t> в зависимости от аэропорта вылета </a:t>
+            </a:r>
+            <a:endParaRPr lang="en-US" sz="1800" dirty="0"/>
+          </a:p>
+        </p:txBody>
+      </p:sp>
+      <p:sp>
+        <p:nvSpPr>
+          <p:cNvPr id="6" name="TextBox 5">
+            <a:extLst>
+              <a:ext uri="{FF2B5EF4-FFF2-40B4-BE49-F238E27FC236}">
+                <a16:creationId xmlns:a16="http://schemas.microsoft.com/office/drawing/2014/main" id="{55C78972-4174-2692-43D0-925077F9ECF6}"/>
+              </a:ext>
+            </a:extLst>
+          </p:cNvPr>
+          <p:cNvSpPr txBox="1"/>
+          <p:nvPr/>
+        </p:nvSpPr>
+        <p:spPr>
+          <a:xfrm>
+            <a:off x="586945" y="2129152"/>
+            <a:ext cx="10820400" cy="646331"/>
+          </a:xfrm>
+          <a:prstGeom prst="rect">
+            <a:avLst/>
+          </a:prstGeom>
+          <a:noFill/>
+        </p:spPr>
+        <p:txBody>
+          <a:bodyPr wrap="square">
+            <a:spAutoFit/>
+          </a:bodyPr>
+          <a:lstStyle/>
+          <a:p>
+            <a:r>
+              <a:rPr lang="en-US" i="1" dirty="0"/>
+              <a:t>#</a:t>
+            </a:r>
+            <a:r>
+              <a:rPr lang="ru-RU" i="1" dirty="0"/>
+              <a:t> </a:t>
+            </a:r>
+            <a:r>
+              <a:rPr lang="en-US" i="1" dirty="0"/>
+              <a:t> </a:t>
+            </a:r>
+            <a:r>
+              <a:rPr lang="ru-RU" i="1" dirty="0"/>
+              <a:t>проводим расчеты и строим графики в зависимости от выбранных моделей графики распределения предсказаний для разных моделей</a:t>
+            </a:r>
+            <a:endParaRPr lang="ru-RU" sz="1800" i="1" dirty="0"/>
+          </a:p>
+        </p:txBody>
+      </p:sp>
+      <p:pic>
+        <p:nvPicPr>
+          <p:cNvPr id="2" name="Рисунок 1" descr="Изображение выглядит как текст, снимок экрана&#10;&#10;Автоматически созданное описание">
+            <a:extLst>
+              <a:ext uri="{FF2B5EF4-FFF2-40B4-BE49-F238E27FC236}">
+                <a16:creationId xmlns:a16="http://schemas.microsoft.com/office/drawing/2014/main" id="{E75EA727-CC0E-F704-B91F-0DA94D05A2FB}"/>
+              </a:ext>
+            </a:extLst>
+          </p:cNvPr>
+          <p:cNvPicPr>
+            <a:picLocks noChangeAspect="1"/>
+          </p:cNvPicPr>
+          <p:nvPr/>
+        </p:nvPicPr>
+        <p:blipFill>
+          <a:blip r:embed="rId4" cstate="email">
+            <a:extLst>
+              <a:ext uri="{28A0092B-C50C-407E-A947-70E740481C1C}">
+                <a14:useLocalDpi xmlns:a14="http://schemas.microsoft.com/office/drawing/2010/main"/>
+              </a:ext>
+            </a:extLst>
+          </a:blip>
+          <a:stretch>
+            <a:fillRect/>
+          </a:stretch>
+        </p:blipFill>
+        <p:spPr>
+          <a:xfrm>
+            <a:off x="7572567" y="4217210"/>
+            <a:ext cx="4213677" cy="2400231"/>
+          </a:xfrm>
+          <a:prstGeom prst="rect">
+            <a:avLst/>
+          </a:prstGeom>
+          <a:ln>
+            <a:noFill/>
+          </a:ln>
+          <a:effectLst>
+            <a:outerShdw blurRad="292100" dist="139700" dir="2700000" algn="tl" rotWithShape="0">
+              <a:srgbClr val="333333">
+                <a:alpha val="65000"/>
+              </a:srgbClr>
+            </a:outerShdw>
+          </a:effectLst>
+        </p:spPr>
+      </p:pic>
+      <p:pic>
+        <p:nvPicPr>
+          <p:cNvPr id="3" name="Рисунок 2" descr="Изображение выглядит как текст, снимок экрана, диаграмма, График&#10;&#10;Автоматически созданное описание">
+            <a:extLst>
+              <a:ext uri="{FF2B5EF4-FFF2-40B4-BE49-F238E27FC236}">
+                <a16:creationId xmlns:a16="http://schemas.microsoft.com/office/drawing/2014/main" id="{E1F14F63-40AA-62AF-43EB-CFFD7DF6E0CB}"/>
+              </a:ext>
+            </a:extLst>
+          </p:cNvPr>
+          <p:cNvPicPr>
+            <a:picLocks noChangeAspect="1"/>
+          </p:cNvPicPr>
+          <p:nvPr/>
+        </p:nvPicPr>
+        <p:blipFill>
+          <a:blip r:embed="rId5" cstate="email">
+            <a:extLst>
+              <a:ext uri="{28A0092B-C50C-407E-A947-70E740481C1C}">
+                <a14:useLocalDpi xmlns:a14="http://schemas.microsoft.com/office/drawing/2010/main"/>
+              </a:ext>
+            </a:extLst>
+          </a:blip>
+          <a:stretch>
+            <a:fillRect/>
+          </a:stretch>
+        </p:blipFill>
+        <p:spPr>
+          <a:xfrm>
+            <a:off x="4060279" y="3429000"/>
+            <a:ext cx="4729556" cy="2695439"/>
+          </a:xfrm>
+          <a:prstGeom prst="rect">
+            <a:avLst/>
+          </a:prstGeom>
+          <a:ln>
+            <a:noFill/>
+          </a:ln>
+          <a:effectLst>
+            <a:outerShdw blurRad="292100" dist="139700" dir="2700000" algn="tl" rotWithShape="0">
+              <a:srgbClr val="333333">
+                <a:alpha val="65000"/>
+              </a:srgbClr>
+            </a:outerShdw>
+          </a:effectLst>
+        </p:spPr>
+      </p:pic>
+      <p:pic>
+        <p:nvPicPr>
+          <p:cNvPr id="7" name="Рисунок 6" descr="Изображение выглядит как текст, снимок экрана, программное обеспечение&#10;&#10;Автоматически созданное описание">
+            <a:extLst>
+              <a:ext uri="{FF2B5EF4-FFF2-40B4-BE49-F238E27FC236}">
+                <a16:creationId xmlns:a16="http://schemas.microsoft.com/office/drawing/2014/main" id="{65C39809-FDF3-7FE7-B9DB-47E268F52173}"/>
+              </a:ext>
+            </a:extLst>
+          </p:cNvPr>
+          <p:cNvPicPr>
+            <a:picLocks noChangeAspect="1"/>
+          </p:cNvPicPr>
+          <p:nvPr/>
+        </p:nvPicPr>
+        <p:blipFill>
+          <a:blip r:embed="rId6" cstate="email">
+            <a:extLst>
+              <a:ext uri="{28A0092B-C50C-407E-A947-70E740481C1C}">
+                <a14:useLocalDpi xmlns:a14="http://schemas.microsoft.com/office/drawing/2010/main"/>
+              </a:ext>
+            </a:extLst>
+          </a:blip>
+          <a:stretch>
+            <a:fillRect/>
+          </a:stretch>
+        </p:blipFill>
+        <p:spPr>
+          <a:xfrm>
+            <a:off x="665018" y="2799172"/>
+            <a:ext cx="4956568" cy="2836076"/>
+          </a:xfrm>
+          <a:prstGeom prst="rect">
+            <a:avLst/>
+          </a:prstGeom>
+          <a:ln>
+            <a:noFill/>
+          </a:ln>
+          <a:effectLst>
+            <a:outerShdw blurRad="292100" dist="139700" dir="2700000" algn="tl" rotWithShape="0">
+              <a:srgbClr val="333333">
+                <a:alpha val="65000"/>
+              </a:srgbClr>
+            </a:outerShdw>
+          </a:effectLst>
+        </p:spPr>
+      </p:pic>
+    </p:spTree>
+    <p:extLst>
+      <p:ext uri="{BB962C8B-B14F-4D97-AF65-F5344CB8AC3E}">
+        <p14:creationId xmlns:p14="http://schemas.microsoft.com/office/powerpoint/2010/main" val="1241278274"/>
       </p:ext>
     </p:extLst>
   </p:cSld>
